--- a/less-3-嵌套.pptx
+++ b/less-3-嵌套.pptx
@@ -119,7 +119,7 @@
   </p:defaultTextStyle>
   <p:extLst>
     <p:ext uri="{EFAFB233-063F-42B5-8137-9DF3F51BA10A}">
-      <p15:sldGuideLst xmlns:p15="http://schemas.microsoft.com/office/powerpoint/2012/main" xmlns="">
+      <p15:sldGuideLst xmlns="" xmlns:p15="http://schemas.microsoft.com/office/powerpoint/2012/main">
         <p15:guide id="1" orient="horz" pos="2160">
           <p15:clr>
             <a:srgbClr val="A4A3A4"/>
@@ -218,7 +218,7 @@
           <a:p>
             <a:fld id="{918C987C-5DAD-4601-B625-55A3208473B0}" type="datetimeFigureOut">
               <a:rPr lang="zh-CN" altLang="en-US" smtClean="0"/>
-              <a:t>2018/12/6</a:t>
+              <a:t>2018/12/14</a:t>
             </a:fld>
             <a:endParaRPr lang="zh-CN" altLang="en-US"/>
           </a:p>
@@ -667,7 +667,7 @@
           <a:p>
             <a:fld id="{17C7C8FB-1C37-4023-AA22-09D5A8E13DCF}" type="datetimeFigureOut">
               <a:rPr lang="zh-CN" altLang="en-US" smtClean="0"/>
-              <a:t>2018/12/6</a:t>
+              <a:t>2018/12/14</a:t>
             </a:fld>
             <a:endParaRPr lang="zh-CN" altLang="en-US"/>
           </a:p>
@@ -837,7 +837,7 @@
           <a:p>
             <a:fld id="{17C7C8FB-1C37-4023-AA22-09D5A8E13DCF}" type="datetimeFigureOut">
               <a:rPr lang="zh-CN" altLang="en-US" smtClean="0"/>
-              <a:t>2018/12/6</a:t>
+              <a:t>2018/12/14</a:t>
             </a:fld>
             <a:endParaRPr lang="zh-CN" altLang="en-US"/>
           </a:p>
@@ -1017,7 +1017,7 @@
           <a:p>
             <a:fld id="{17C7C8FB-1C37-4023-AA22-09D5A8E13DCF}" type="datetimeFigureOut">
               <a:rPr lang="zh-CN" altLang="en-US" smtClean="0"/>
-              <a:t>2018/12/6</a:t>
+              <a:t>2018/12/14</a:t>
             </a:fld>
             <a:endParaRPr lang="zh-CN" altLang="en-US"/>
           </a:p>
@@ -1187,7 +1187,7 @@
           <a:p>
             <a:fld id="{17C7C8FB-1C37-4023-AA22-09D5A8E13DCF}" type="datetimeFigureOut">
               <a:rPr lang="zh-CN" altLang="en-US" smtClean="0"/>
-              <a:t>2018/12/6</a:t>
+              <a:t>2018/12/14</a:t>
             </a:fld>
             <a:endParaRPr lang="zh-CN" altLang="en-US"/>
           </a:p>
@@ -1433,7 +1433,7 @@
           <a:p>
             <a:fld id="{17C7C8FB-1C37-4023-AA22-09D5A8E13DCF}" type="datetimeFigureOut">
               <a:rPr lang="zh-CN" altLang="en-US" smtClean="0"/>
-              <a:t>2018/12/6</a:t>
+              <a:t>2018/12/14</a:t>
             </a:fld>
             <a:endParaRPr lang="zh-CN" altLang="en-US"/>
           </a:p>
@@ -1721,7 +1721,7 @@
           <a:p>
             <a:fld id="{17C7C8FB-1C37-4023-AA22-09D5A8E13DCF}" type="datetimeFigureOut">
               <a:rPr lang="zh-CN" altLang="en-US" smtClean="0"/>
-              <a:t>2018/12/6</a:t>
+              <a:t>2018/12/14</a:t>
             </a:fld>
             <a:endParaRPr lang="zh-CN" altLang="en-US"/>
           </a:p>
@@ -2143,7 +2143,7 @@
           <a:p>
             <a:fld id="{17C7C8FB-1C37-4023-AA22-09D5A8E13DCF}" type="datetimeFigureOut">
               <a:rPr lang="zh-CN" altLang="en-US" smtClean="0"/>
-              <a:t>2018/12/6</a:t>
+              <a:t>2018/12/14</a:t>
             </a:fld>
             <a:endParaRPr lang="zh-CN" altLang="en-US"/>
           </a:p>
@@ -2261,7 +2261,7 @@
           <a:p>
             <a:fld id="{17C7C8FB-1C37-4023-AA22-09D5A8E13DCF}" type="datetimeFigureOut">
               <a:rPr lang="zh-CN" altLang="en-US" smtClean="0"/>
-              <a:t>2018/12/6</a:t>
+              <a:t>2018/12/14</a:t>
             </a:fld>
             <a:endParaRPr lang="zh-CN" altLang="en-US"/>
           </a:p>
@@ -2356,7 +2356,7 @@
           <a:p>
             <a:fld id="{17C7C8FB-1C37-4023-AA22-09D5A8E13DCF}" type="datetimeFigureOut">
               <a:rPr lang="zh-CN" altLang="en-US" smtClean="0"/>
-              <a:t>2018/12/6</a:t>
+              <a:t>2018/12/14</a:t>
             </a:fld>
             <a:endParaRPr lang="zh-CN" altLang="en-US"/>
           </a:p>
@@ -2633,7 +2633,7 @@
           <a:p>
             <a:fld id="{17C7C8FB-1C37-4023-AA22-09D5A8E13DCF}" type="datetimeFigureOut">
               <a:rPr lang="zh-CN" altLang="en-US" smtClean="0"/>
-              <a:t>2018/12/6</a:t>
+              <a:t>2018/12/14</a:t>
             </a:fld>
             <a:endParaRPr lang="zh-CN" altLang="en-US"/>
           </a:p>
@@ -2886,7 +2886,7 @@
           <a:p>
             <a:fld id="{17C7C8FB-1C37-4023-AA22-09D5A8E13DCF}" type="datetimeFigureOut">
               <a:rPr lang="zh-CN" altLang="en-US" smtClean="0"/>
-              <a:t>2018/12/6</a:t>
+              <a:t>2018/12/14</a:t>
             </a:fld>
             <a:endParaRPr lang="zh-CN" altLang="en-US"/>
           </a:p>
@@ -3099,7 +3099,7 @@
           <a:p>
             <a:fld id="{17C7C8FB-1C37-4023-AA22-09D5A8E13DCF}" type="datetimeFigureOut">
               <a:rPr lang="zh-CN" altLang="en-US" smtClean="0"/>
-              <a:t>2018/12/6</a:t>
+              <a:t>2018/12/14</a:t>
             </a:fld>
             <a:endParaRPr lang="zh-CN" altLang="en-US"/>
           </a:p>
@@ -3703,20 +3703,7 @@
                 <a:latin typeface="微软雅黑" pitchFamily="34" charset="-122"/>
                 <a:ea typeface="微软雅黑" pitchFamily="34" charset="-122"/>
               </a:rPr>
-              <a:t>3-c.</a:t>
-            </a:r>
-            <a:r>
-              <a:rPr lang="en-US" altLang="zh-CN" sz="2800" b="1" dirty="0" smtClean="0">
-                <a:solidFill>
-                  <a:schemeClr val="tx1">
-                    <a:lumMod val="75000"/>
-                    <a:lumOff val="25000"/>
-                  </a:schemeClr>
-                </a:solidFill>
-                <a:latin typeface="微软雅黑" pitchFamily="34" charset="-122"/>
-                <a:ea typeface="微软雅黑" pitchFamily="34" charset="-122"/>
-              </a:rPr>
-              <a:t>&amp;</a:t>
+              <a:t>3-c.&amp;</a:t>
             </a:r>
             <a:r>
               <a:rPr lang="zh-CN" altLang="en-US" sz="2800" b="1" dirty="0" smtClean="0">
@@ -3859,6 +3846,58 @@
           <a:p>
             <a:pPr algn="ctr"/>
             <a:endParaRPr lang="zh-CN" altLang="en-US"/>
+          </a:p>
+        </p:txBody>
+      </p:sp>
+      <p:sp>
+        <p:nvSpPr>
+          <p:cNvPr id="6" name="圆角矩形标注 5"/>
+          <p:cNvSpPr/>
+          <p:nvPr/>
+        </p:nvSpPr>
+        <p:spPr>
+          <a:xfrm>
+            <a:off x="1547664" y="3925256"/>
+            <a:ext cx="3024336" cy="504056"/>
+          </a:xfrm>
+          <a:prstGeom prst="wedgeRoundRectCallout">
+            <a:avLst>
+              <a:gd name="adj1" fmla="val 54472"/>
+              <a:gd name="adj2" fmla="val -31770"/>
+              <a:gd name="adj3" fmla="val 16667"/>
+            </a:avLst>
+          </a:prstGeom>
+        </p:spPr>
+        <p:style>
+          <a:lnRef idx="2">
+            <a:schemeClr val="accent5"/>
+          </a:lnRef>
+          <a:fillRef idx="1">
+            <a:schemeClr val="lt1"/>
+          </a:fillRef>
+          <a:effectRef idx="0">
+            <a:schemeClr val="accent5"/>
+          </a:effectRef>
+          <a:fontRef idx="minor">
+            <a:schemeClr val="dk1"/>
+          </a:fontRef>
+        </p:style>
+        <p:txBody>
+          <a:bodyPr rtlCol="0" anchor="ctr"/>
+          <a:lstStyle/>
+          <a:p>
+            <a:pPr algn="ctr"/>
+            <a:r>
+              <a:rPr lang="zh-CN" altLang="en-US" dirty="0" smtClean="0">
+                <a:latin typeface="微软雅黑" pitchFamily="34" charset="-122"/>
+                <a:ea typeface="微软雅黑" pitchFamily="34" charset="-122"/>
+              </a:rPr>
+              <a:t>所有的组合可能，全部编译</a:t>
+            </a:r>
+            <a:endParaRPr lang="zh-CN" altLang="en-US" dirty="0">
+              <a:latin typeface="微软雅黑" pitchFamily="34" charset="-122"/>
+              <a:ea typeface="微软雅黑" pitchFamily="34" charset="-122"/>
+            </a:endParaRPr>
           </a:p>
         </p:txBody>
       </p:sp>
@@ -3932,20 +3971,7 @@
                 <a:latin typeface="微软雅黑" pitchFamily="34" charset="-122"/>
                 <a:ea typeface="微软雅黑" pitchFamily="34" charset="-122"/>
               </a:rPr>
-              <a:t>3-d.</a:t>
-            </a:r>
-            <a:r>
-              <a:rPr lang="en-US" altLang="zh-CN" sz="2800" b="1" dirty="0" smtClean="0">
-                <a:solidFill>
-                  <a:schemeClr val="tx1">
-                    <a:lumMod val="75000"/>
-                    <a:lumOff val="25000"/>
-                  </a:schemeClr>
-                </a:solidFill>
-                <a:latin typeface="微软雅黑" pitchFamily="34" charset="-122"/>
-                <a:ea typeface="微软雅黑" pitchFamily="34" charset="-122"/>
-              </a:rPr>
-              <a:t>&amp;</a:t>
+              <a:t>3-d.&amp;</a:t>
             </a:r>
             <a:r>
               <a:rPr lang="zh-CN" altLang="en-US" sz="2800" b="1" dirty="0" smtClean="0">
@@ -3981,7 +4007,7 @@
         </p:nvSpPr>
         <p:spPr>
           <a:xfrm>
-            <a:off x="3853342" y="2118290"/>
+            <a:off x="3863577" y="1583137"/>
             <a:ext cx="504056" cy="535153"/>
           </a:xfrm>
           <a:prstGeom prst="rightArrow">
@@ -4033,7 +4059,7 @@
         </p:blipFill>
         <p:spPr>
           <a:xfrm>
-            <a:off x="1331640" y="1781784"/>
+            <a:off x="1341875" y="1246631"/>
             <a:ext cx="1933845" cy="1743318"/>
           </a:xfrm>
           <a:prstGeom prst="rect">
@@ -4073,7 +4099,7 @@
         </p:blipFill>
         <p:spPr>
           <a:xfrm>
-            <a:off x="4860032" y="1988840"/>
+            <a:off x="4870267" y="1453687"/>
             <a:ext cx="2105319" cy="1086002"/>
           </a:xfrm>
           <a:prstGeom prst="rect">
@@ -4176,16 +4202,6 @@
               </a:rPr>
               <a:t>嵌套</a:t>
             </a:r>
-            <a:endParaRPr lang="zh-CN" altLang="en-US" sz="2800" b="1" dirty="0">
-              <a:solidFill>
-                <a:schemeClr val="tx1">
-                  <a:lumMod val="75000"/>
-                  <a:lumOff val="25000"/>
-                </a:schemeClr>
-              </a:solidFill>
-              <a:latin typeface="微软雅黑" pitchFamily="34" charset="-122"/>
-              <a:ea typeface="微软雅黑" pitchFamily="34" charset="-122"/>
-            </a:endParaRPr>
           </a:p>
         </p:txBody>
       </p:sp>
@@ -4242,16 +4258,6 @@
               </a:rPr>
               <a:t>.</a:t>
             </a:r>
-            <a:endParaRPr lang="en-US" altLang="zh-CN" sz="2400" dirty="0" smtClean="0">
-              <a:solidFill>
-                <a:schemeClr val="tx1">
-                  <a:lumMod val="75000"/>
-                  <a:lumOff val="25000"/>
-                </a:schemeClr>
-              </a:solidFill>
-              <a:latin typeface="微软雅黑" pitchFamily="34" charset="-122"/>
-              <a:ea typeface="微软雅黑" pitchFamily="34" charset="-122"/>
-            </a:endParaRPr>
           </a:p>
           <a:p>
             <a:pPr>
@@ -4657,13 +4663,6 @@
               </a:rPr>
               <a:t>}</a:t>
             </a:r>
-            <a:endParaRPr lang="en-US" altLang="zh-CN" sz="2400" dirty="0" smtClean="0">
-              <a:solidFill>
-                <a:srgbClr val="FF0000"/>
-              </a:solidFill>
-              <a:latin typeface="微软雅黑" pitchFamily="34" charset="-122"/>
-              <a:ea typeface="微软雅黑" pitchFamily="34" charset="-122"/>
-            </a:endParaRPr>
           </a:p>
         </p:txBody>
       </p:sp>
@@ -5000,20 +4999,7 @@
                 <a:latin typeface="微软雅黑" pitchFamily="34" charset="-122"/>
                 <a:ea typeface="微软雅黑" pitchFamily="34" charset="-122"/>
               </a:rPr>
-              <a:t>2</a:t>
-            </a:r>
-            <a:r>
-              <a:rPr lang="en-US" altLang="zh-CN" sz="2800" b="1" dirty="0" smtClean="0">
-                <a:solidFill>
-                  <a:schemeClr val="tx1">
-                    <a:lumMod val="75000"/>
-                    <a:lumOff val="25000"/>
-                  </a:schemeClr>
-                </a:solidFill>
-                <a:latin typeface="微软雅黑" pitchFamily="34" charset="-122"/>
-                <a:ea typeface="微软雅黑" pitchFamily="34" charset="-122"/>
-              </a:rPr>
-              <a:t>.</a:t>
+              <a:t>2.</a:t>
             </a:r>
             <a:r>
               <a:rPr lang="zh-CN" altLang="en-US" sz="2800" b="1" dirty="0" smtClean="0">
@@ -5182,6 +5168,79 @@
           <a:p>
             <a:pPr algn="ctr"/>
             <a:endParaRPr lang="zh-CN" altLang="en-US"/>
+          </a:p>
+        </p:txBody>
+      </p:sp>
+      <p:sp>
+        <p:nvSpPr>
+          <p:cNvPr id="8" name="圆角矩形标注 7"/>
+          <p:cNvSpPr/>
+          <p:nvPr/>
+        </p:nvSpPr>
+        <p:spPr>
+          <a:xfrm>
+            <a:off x="4860032" y="3178800"/>
+            <a:ext cx="3745250" cy="504056"/>
+          </a:xfrm>
+          <a:prstGeom prst="wedgeRoundRectCallout">
+            <a:avLst>
+              <a:gd name="adj1" fmla="val 18008"/>
+              <a:gd name="adj2" fmla="val 116147"/>
+              <a:gd name="adj3" fmla="val 16667"/>
+            </a:avLst>
+          </a:prstGeom>
+        </p:spPr>
+        <p:style>
+          <a:lnRef idx="2">
+            <a:schemeClr val="accent5"/>
+          </a:lnRef>
+          <a:fillRef idx="1">
+            <a:schemeClr val="lt1"/>
+          </a:fillRef>
+          <a:effectRef idx="0">
+            <a:schemeClr val="accent5"/>
+          </a:effectRef>
+          <a:fontRef idx="minor">
+            <a:schemeClr val="dk1"/>
+          </a:fontRef>
+        </p:style>
+        <p:txBody>
+          <a:bodyPr rtlCol="0" anchor="ctr"/>
+          <a:lstStyle/>
+          <a:p>
+            <a:pPr algn="ctr"/>
+            <a:r>
+              <a:rPr lang="en-US" altLang="zh-CN" dirty="0" smtClean="0">
+                <a:latin typeface="微软雅黑" pitchFamily="34" charset="-122"/>
+                <a:ea typeface="微软雅黑" pitchFamily="34" charset="-122"/>
+              </a:rPr>
+              <a:t>@media</a:t>
+            </a:r>
+            <a:r>
+              <a:rPr lang="zh-CN" altLang="en-US" dirty="0" smtClean="0">
+                <a:latin typeface="微软雅黑" pitchFamily="34" charset="-122"/>
+                <a:ea typeface="微软雅黑" pitchFamily="34" charset="-122"/>
+              </a:rPr>
+              <a:t>会提取并自动用</a:t>
+            </a:r>
+            <a:r>
+              <a:rPr lang="en-US" altLang="zh-CN" dirty="0" smtClean="0">
+                <a:latin typeface="微软雅黑" pitchFamily="34" charset="-122"/>
+                <a:ea typeface="微软雅黑" pitchFamily="34" charset="-122"/>
+              </a:rPr>
+              <a:t>and</a:t>
+            </a:r>
+            <a:r>
+              <a:rPr lang="zh-CN" altLang="en-US" dirty="0" smtClean="0">
+                <a:latin typeface="微软雅黑" pitchFamily="34" charset="-122"/>
+                <a:ea typeface="微软雅黑" pitchFamily="34" charset="-122"/>
+              </a:rPr>
+              <a:t>连接</a:t>
+            </a:r>
+            <a:endParaRPr lang="zh-CN" altLang="en-US" dirty="0">
+              <a:latin typeface="微软雅黑" pitchFamily="34" charset="-122"/>
+              <a:ea typeface="微软雅黑" pitchFamily="34" charset="-122"/>
+            </a:endParaRPr>
           </a:p>
         </p:txBody>
       </p:sp>
@@ -5518,6 +5577,16 @@
           <a:prstGeom prst="rect">
             <a:avLst/>
           </a:prstGeom>
+          <a:ln>
+            <a:noFill/>
+          </a:ln>
+          <a:effectLst>
+            <a:outerShdw blurRad="292100" dist="139700" dir="2700000" algn="tl" rotWithShape="0">
+              <a:srgbClr val="333333">
+                <a:alpha val="65000"/>
+              </a:srgbClr>
+            </a:outerShdw>
+          </a:effectLst>
         </p:spPr>
       </p:pic>
       <p:sp>
@@ -6270,65 +6339,6 @@
           <a:chExt cx="0" cy="0"/>
         </a:xfrm>
       </p:grpSpPr>
-      <p:sp>
-        <p:nvSpPr>
-          <p:cNvPr id="6" name="圆角矩形标注 5"/>
-          <p:cNvSpPr/>
-          <p:nvPr/>
-        </p:nvSpPr>
-        <p:spPr>
-          <a:xfrm>
-            <a:off x="1835696" y="4005064"/>
-            <a:ext cx="2830256" cy="504056"/>
-          </a:xfrm>
-          <a:prstGeom prst="wedgeRoundRectCallout">
-            <a:avLst>
-              <a:gd name="adj1" fmla="val 59940"/>
-              <a:gd name="adj2" fmla="val -6652"/>
-              <a:gd name="adj3" fmla="val 16667"/>
-            </a:avLst>
-          </a:prstGeom>
-        </p:spPr>
-        <p:style>
-          <a:lnRef idx="2">
-            <a:schemeClr val="accent5"/>
-          </a:lnRef>
-          <a:fillRef idx="1">
-            <a:schemeClr val="lt1"/>
-          </a:fillRef>
-          <a:effectRef idx="0">
-            <a:schemeClr val="accent5"/>
-          </a:effectRef>
-          <a:fontRef idx="minor">
-            <a:schemeClr val="dk1"/>
-          </a:fontRef>
-        </p:style>
-        <p:txBody>
-          <a:bodyPr rtlCol="0" anchor="ctr"/>
-          <a:lstStyle/>
-          <a:p>
-            <a:pPr algn="ctr"/>
-            <a:r>
-              <a:rPr lang="en-US" altLang="zh-CN" dirty="0" smtClean="0">
-                <a:latin typeface="微软雅黑" pitchFamily="34" charset="-122"/>
-                <a:ea typeface="微软雅黑" pitchFamily="34" charset="-122"/>
-              </a:rPr>
-              <a:t>&amp; </a:t>
-            </a:r>
-            <a:r>
-              <a:rPr lang="zh-CN" altLang="en-US" dirty="0" smtClean="0">
-                <a:latin typeface="微软雅黑" pitchFamily="34" charset="-122"/>
-                <a:ea typeface="微软雅黑" pitchFamily="34" charset="-122"/>
-              </a:rPr>
-              <a:t>可以重复出现</a:t>
-            </a:r>
-            <a:endParaRPr lang="zh-CN" altLang="en-US" dirty="0">
-              <a:latin typeface="微软雅黑" pitchFamily="34" charset="-122"/>
-              <a:ea typeface="微软雅黑" pitchFamily="34" charset="-122"/>
-            </a:endParaRPr>
-          </a:p>
-        </p:txBody>
-      </p:sp>
       <p:pic>
         <p:nvPicPr>
           <p:cNvPr id="7" name="图片 6" descr="屏幕剪辑"/>
@@ -6409,6 +6419,65 @@
           </a:effectLst>
         </p:spPr>
       </p:pic>
+      <p:sp>
+        <p:nvSpPr>
+          <p:cNvPr id="6" name="圆角矩形标注 5"/>
+          <p:cNvSpPr/>
+          <p:nvPr/>
+        </p:nvSpPr>
+        <p:spPr>
+          <a:xfrm>
+            <a:off x="1240862" y="3452907"/>
+            <a:ext cx="2830256" cy="504056"/>
+          </a:xfrm>
+          <a:prstGeom prst="wedgeRoundRectCallout">
+            <a:avLst>
+              <a:gd name="adj1" fmla="val -18097"/>
+              <a:gd name="adj2" fmla="val -87588"/>
+              <a:gd name="adj3" fmla="val 16667"/>
+            </a:avLst>
+          </a:prstGeom>
+        </p:spPr>
+        <p:style>
+          <a:lnRef idx="2">
+            <a:schemeClr val="accent5"/>
+          </a:lnRef>
+          <a:fillRef idx="1">
+            <a:schemeClr val="lt1"/>
+          </a:fillRef>
+          <a:effectRef idx="0">
+            <a:schemeClr val="accent5"/>
+          </a:effectRef>
+          <a:fontRef idx="minor">
+            <a:schemeClr val="dk1"/>
+          </a:fontRef>
+        </p:style>
+        <p:txBody>
+          <a:bodyPr rtlCol="0" anchor="ctr"/>
+          <a:lstStyle/>
+          <a:p>
+            <a:pPr algn="ctr"/>
+            <a:r>
+              <a:rPr lang="en-US" altLang="zh-CN" dirty="0" smtClean="0">
+                <a:latin typeface="微软雅黑" pitchFamily="34" charset="-122"/>
+                <a:ea typeface="微软雅黑" pitchFamily="34" charset="-122"/>
+              </a:rPr>
+              <a:t>&amp; </a:t>
+            </a:r>
+            <a:r>
+              <a:rPr lang="zh-CN" altLang="en-US" dirty="0" smtClean="0">
+                <a:latin typeface="微软雅黑" pitchFamily="34" charset="-122"/>
+                <a:ea typeface="微软雅黑" pitchFamily="34" charset="-122"/>
+              </a:rPr>
+              <a:t>可以重复出现</a:t>
+            </a:r>
+            <a:endParaRPr lang="zh-CN" altLang="en-US" dirty="0">
+              <a:latin typeface="微软雅黑" pitchFamily="34" charset="-122"/>
+              <a:ea typeface="微软雅黑" pitchFamily="34" charset="-122"/>
+            </a:endParaRPr>
+          </a:p>
+        </p:txBody>
+      </p:sp>
     </p:spTree>
     <p:extLst>
       <p:ext uri="{BB962C8B-B14F-4D97-AF65-F5344CB8AC3E}">
@@ -7131,7 +7200,7 @@
   <a:extraClrSchemeLst/>
   <a:extLst>
     <a:ext uri="{05A4C25C-085E-4340-85A3-A5531E510DB2}">
-      <thm15:themeFamily xmlns:thm15="http://schemas.microsoft.com/office/thememl/2012/main" xmlns="" name="Office Theme" id="{62F939B6-93AF-4DB8-9C6B-D6C7DFDC589F}" vid="{4A3C46E8-61CC-4603-A589-7422A47A8E4A}"/>
+      <thm15:themeFamily xmlns="" xmlns:thm15="http://schemas.microsoft.com/office/thememl/2012/main" name="Office Theme" id="{62F939B6-93AF-4DB8-9C6B-D6C7DFDC589F}" vid="{4A3C46E8-61CC-4603-A589-7422A47A8E4A}"/>
     </a:ext>
   </a:extLst>
 </a:theme>
